--- a/V1.0_화면설계서 양식.pptx
+++ b/V1.0_화면설계서 양식.pptx
@@ -4161,7 +4161,7 @@
           <a:p>
             <a:fld id="{98FBB39A-9110-43FD-8DF2-684D1523A0BC}" type="datetime1">
               <a:rPr lang="ko-KR" altLang="en-US" smtClean="0"/>
-              <a:t>2020-06-28</a:t>
+              <a:t>2020-06-29</a:t>
             </a:fld>
             <a:endParaRPr lang="ko-KR" altLang="en-US"/>
           </a:p>
@@ -5181,7 +5181,7 @@
           </a:ln>
           <a:extLst>
             <a:ext uri="{C572A759-6A51-4108-AA02-DFA0A04FC94B}">
-              <ma14:wrappingTextBoxFlag xmlns="" xmlns:m="http://schemas.openxmlformats.org/officeDocument/2006/math" xmlns:a14="http://schemas.microsoft.com/office/drawing/2010/main" xmlns:ma14="http://schemas.microsoft.com/office/mac/drawingml/2011/main" val="1"/>
+              <ma14:wrappingTextBoxFlag xmlns:ma14="http://schemas.microsoft.com/office/mac/drawingml/2011/main" xmlns:a14="http://schemas.microsoft.com/office/drawing/2010/main" xmlns:m="http://schemas.openxmlformats.org/officeDocument/2006/math" xmlns="" val="1"/>
             </a:ext>
           </a:extLst>
         </p:spPr>
@@ -5324,7 +5324,7 @@
           </a:ln>
           <a:extLst>
             <a:ext uri="{C572A759-6A51-4108-AA02-DFA0A04FC94B}">
-              <ma14:wrappingTextBoxFlag xmlns="" xmlns:m="http://schemas.openxmlformats.org/officeDocument/2006/math" xmlns:a14="http://schemas.microsoft.com/office/drawing/2010/main" xmlns:ma14="http://schemas.microsoft.com/office/mac/drawingml/2011/main" val="1"/>
+              <ma14:wrappingTextBoxFlag xmlns:ma14="http://schemas.microsoft.com/office/mac/drawingml/2011/main" xmlns:a14="http://schemas.microsoft.com/office/drawing/2010/main" xmlns:m="http://schemas.openxmlformats.org/officeDocument/2006/math" xmlns="" val="1"/>
             </a:ext>
           </a:extLst>
         </p:spPr>
@@ -10417,14 +10417,14 @@
           <p:nvPr>
             <p:extLst>
               <p:ext uri="{D42A27DB-BD31-4B8C-83A1-F6EECF244321}">
-                <p14:modId xmlns:p14="http://schemas.microsoft.com/office/powerpoint/2010/main" val="551579372"/>
+                <p14:modId xmlns:p14="http://schemas.microsoft.com/office/powerpoint/2010/main" val="41169453"/>
               </p:ext>
             </p:extLst>
           </p:nvPr>
         </p:nvGraphicFramePr>
         <p:xfrm>
           <a:off x="1197870" y="1268760"/>
-          <a:ext cx="9578652" cy="5135307"/>
+          <a:ext cx="9578652" cy="5138853"/>
         </p:xfrm>
         <a:graphic>
           <a:graphicData uri="http://schemas.openxmlformats.org/drawingml/2006/table">
@@ -12343,7 +12343,7 @@
                         <a:t>이러한 정보를 이용자가 활용할 수 있도록 합니다</a:t>
                       </a:r>
                       <a:r>
-                        <a:rPr lang="en-US" altLang="ko-KR" sz="900" dirty="0">
+                        <a:rPr lang="en-US" altLang="ko-KR" sz="900" dirty="0" smtClean="0">
                           <a:solidFill>
                             <a:schemeClr val="tx1"/>
                           </a:solidFill>
@@ -12352,15 +12352,6 @@
                         </a:rPr>
                         <a:t>.</a:t>
                       </a:r>
-                    </a:p>
-                    <a:p>
-                      <a:pPr marL="0" indent="0" algn="just" latinLnBrk="1">
-                        <a:lnSpc>
-                          <a:spcPct val="130000"/>
-                        </a:lnSpc>
-                        <a:buFont typeface="Arial" panose="020B0604020202020204" pitchFamily="34" charset="0"/>
-                        <a:buNone/>
-                      </a:pPr>
                       <a:endParaRPr lang="en-US" altLang="ko-KR" sz="900" dirty="0">
                         <a:solidFill>
                           <a:schemeClr val="tx1"/>
@@ -13136,25 +13127,52 @@
                         <a:buChar char="•"/>
                       </a:pPr>
                       <a:r>
-                        <a:rPr lang="ko-KR" altLang="en-US" sz="900" dirty="0">
+                        <a:rPr lang="ko-KR" altLang="en-US" sz="900" dirty="0" smtClean="0">
                           <a:solidFill>
                             <a:schemeClr val="tx1"/>
                           </a:solidFill>
                           <a:latin typeface="+mn-ea"/>
                           <a:ea typeface="+mn-ea"/>
                         </a:rPr>
-                        <a:t>해당 기획안의 구현을 통해 기대하는 바를 정량적으로 정리해주세요</a:t>
+                        <a:t>팀원들의 </a:t>
                       </a:r>
                       <a:r>
-                        <a:rPr lang="en-US" altLang="ko-KR" sz="900" dirty="0">
+                        <a:rPr lang="en-US" altLang="ko-KR" sz="900" dirty="0" smtClean="0">
                           <a:solidFill>
                             <a:schemeClr val="tx1"/>
                           </a:solidFill>
                           <a:latin typeface="+mn-ea"/>
                           <a:ea typeface="+mn-ea"/>
                         </a:rPr>
-                        <a:t>.</a:t>
+                        <a:t>Django</a:t>
                       </a:r>
+                      <a:r>
+                        <a:rPr lang="en-US" altLang="ko-KR" sz="900" baseline="0" dirty="0" smtClean="0">
+                          <a:solidFill>
+                            <a:schemeClr val="tx1"/>
+                          </a:solidFill>
+                          <a:latin typeface="+mn-ea"/>
+                          <a:ea typeface="+mn-ea"/>
+                        </a:rPr>
+                        <a:t> </a:t>
+                      </a:r>
+                      <a:r>
+                        <a:rPr lang="ko-KR" altLang="en-US" sz="900" baseline="0" dirty="0" smtClean="0">
+                          <a:solidFill>
+                            <a:schemeClr val="tx1"/>
+                          </a:solidFill>
+                          <a:latin typeface="+mn-ea"/>
+                          <a:ea typeface="+mn-ea"/>
+                        </a:rPr>
+                        <a:t>프레임워크 활용 및 데이터 분석 능력 숙달</a:t>
+                      </a:r>
+                      <a:endParaRPr lang="en-US" altLang="ko-KR" sz="900" baseline="0" dirty="0" smtClean="0">
+                        <a:solidFill>
+                          <a:schemeClr val="tx1"/>
+                        </a:solidFill>
+                        <a:latin typeface="+mn-ea"/>
+                        <a:ea typeface="+mn-ea"/>
+                      </a:endParaRPr>
                     </a:p>
                     <a:p>
                       <a:pPr marL="171450" indent="-171450" algn="just" latinLnBrk="1">
@@ -13165,25 +13183,22 @@
                         <a:buChar char="•"/>
                       </a:pPr>
                       <a:r>
-                        <a:rPr lang="ko-KR" altLang="en-US" sz="900" dirty="0">
+                        <a:rPr lang="ko-KR" altLang="en-US" sz="900" baseline="0" dirty="0" smtClean="0">
                           <a:solidFill>
                             <a:schemeClr val="tx1"/>
                           </a:solidFill>
                           <a:latin typeface="+mn-ea"/>
                           <a:ea typeface="+mn-ea"/>
                         </a:rPr>
-                        <a:t>기대효과는 앞서 정리한 기획의 목적을 정량화 함을 의미합니다</a:t>
+                        <a:t>웹 페이지 이용자들에게 분석된 데이터를 제공</a:t>
                       </a:r>
-                      <a:r>
-                        <a:rPr lang="en-US" altLang="ko-KR" sz="900" dirty="0">
-                          <a:solidFill>
-                            <a:schemeClr val="tx1"/>
-                          </a:solidFill>
-                          <a:latin typeface="+mn-ea"/>
-                          <a:ea typeface="+mn-ea"/>
-                        </a:rPr>
-                        <a:t>.</a:t>
-                      </a:r>
+                      <a:endParaRPr lang="en-US" altLang="ko-KR" sz="900" dirty="0" smtClean="0">
+                        <a:solidFill>
+                          <a:schemeClr val="tx1"/>
+                        </a:solidFill>
+                        <a:latin typeface="+mn-ea"/>
+                        <a:ea typeface="+mn-ea"/>
+                      </a:endParaRPr>
                     </a:p>
                   </a:txBody>
                   <a:tcPr anchor="ctr">
